--- a/Aws-ppt-3-powerpoint.pptx
+++ b/Aws-ppt-3-powerpoint.pptx
@@ -4731,28 +4731,28 @@
       </p:par>
     </p:tnLst>
     <p:bldLst>
+      <p:bldP build="whole" bldLvl="1" animBg="1" rev="0" advAuto="0" spid="126" grpId="14"/>
       <p:bldP build="whole" bldLvl="1" animBg="1" rev="0" advAuto="0" spid="123" grpId="4"/>
-      <p:bldP build="whole" bldLvl="1" animBg="1" rev="0" advAuto="0" spid="138" grpId="17"/>
-      <p:bldP build="whole" bldLvl="1" animBg="1" rev="0" advAuto="0" spid="133" grpId="18"/>
+      <p:bldP build="whole" bldLvl="1" animBg="1" rev="0" advAuto="0" spid="125" grpId="13"/>
+      <p:bldP build="whole" bldLvl="1" animBg="1" rev="0" advAuto="0" spid="132" grpId="16"/>
+      <p:bldP build="whole" bldLvl="1" animBg="1" rev="0" advAuto="0" spid="129" grpId="11"/>
+      <p:bldP build="whole" bldLvl="1" animBg="1" rev="0" advAuto="0" spid="136" grpId="20"/>
+      <p:bldP build="whole" bldLvl="1" animBg="1" rev="0" advAuto="0" spid="137" grpId="22"/>
+      <p:bldP build="whole" bldLvl="1" animBg="1" rev="0" advAuto="0" spid="128" grpId="9"/>
+      <p:bldP build="whole" bldLvl="1" animBg="1" rev="0" advAuto="0" spid="120" grpId="1"/>
+      <p:bldP build="whole" bldLvl="1" animBg="1" rev="0" advAuto="0" spid="122" grpId="3"/>
       <p:bldP build="whole" bldLvl="1" animBg="1" rev="0" advAuto="0" spid="121" grpId="2"/>
-      <p:bldP build="whole" bldLvl="1" animBg="1" rev="0" advAuto="0" spid="125" grpId="6"/>
+      <p:bldP build="whole" bldLvl="1" animBg="1" rev="0" advAuto="0" spid="135" grpId="21"/>
       <p:bldP build="whole" bldLvl="1" animBg="1" rev="0" advAuto="0" spid="140" grpId="12"/>
       <p:bldP build="whole" bldLvl="1" animBg="1" rev="0" advAuto="0" spid="127" grpId="8"/>
+      <p:bldP build="whole" bldLvl="1" animBg="1" rev="0" advAuto="0" spid="139" grpId="10"/>
+      <p:bldP build="whole" bldLvl="1" animBg="1" rev="0" advAuto="0" spid="133" grpId="18"/>
+      <p:bldP build="whole" bldLvl="1" animBg="1" rev="0" advAuto="0" spid="124" grpId="5"/>
+      <p:bldP build="whole" bldLvl="1" animBg="1" rev="0" advAuto="0" spid="134" grpId="19"/>
+      <p:bldP build="whole" bldLvl="1" animBg="1" rev="0" advAuto="0" spid="138" grpId="17"/>
+      <p:bldP build="whole" bldLvl="1" animBg="1" rev="0" advAuto="0" spid="127" grpId="15"/>
       <p:bldP build="whole" bldLvl="1" animBg="1" rev="0" advAuto="0" spid="126" grpId="7"/>
-      <p:bldP build="whole" bldLvl="1" animBg="1" rev="0" advAuto="0" spid="136" grpId="20"/>
-      <p:bldP build="whole" bldLvl="1" animBg="1" rev="0" advAuto="0" spid="135" grpId="21"/>
-      <p:bldP build="whole" bldLvl="1" animBg="1" rev="0" advAuto="0" spid="124" grpId="5"/>
-      <p:bldP build="whole" bldLvl="1" animBg="1" rev="0" advAuto="0" spid="125" grpId="13"/>
-      <p:bldP build="whole" bldLvl="1" animBg="1" rev="0" advAuto="0" spid="122" grpId="3"/>
-      <p:bldP build="whole" bldLvl="1" animBg="1" rev="0" advAuto="0" spid="139" grpId="10"/>
-      <p:bldP build="whole" bldLvl="1" animBg="1" rev="0" advAuto="0" spid="126" grpId="14"/>
-      <p:bldP build="whole" bldLvl="1" animBg="1" rev="0" advAuto="0" spid="128" grpId="9"/>
-      <p:bldP build="whole" bldLvl="1" animBg="1" rev="0" advAuto="0" spid="127" grpId="15"/>
-      <p:bldP build="whole" bldLvl="1" animBg="1" rev="0" advAuto="0" spid="134" grpId="19"/>
-      <p:bldP build="whole" bldLvl="1" animBg="1" rev="0" advAuto="0" spid="132" grpId="16"/>
-      <p:bldP build="whole" bldLvl="1" animBg="1" rev="0" advAuto="0" spid="137" grpId="22"/>
-      <p:bldP build="whole" bldLvl="1" animBg="1" rev="0" advAuto="0" spid="129" grpId="11"/>
-      <p:bldP build="whole" bldLvl="1" animBg="1" rev="0" advAuto="0" spid="120" grpId="1"/>
+      <p:bldP build="whole" bldLvl="1" animBg="1" rev="0" advAuto="0" spid="125" grpId="6"/>
     </p:bldLst>
   </p:timing>
 </p:sld>
@@ -5276,10 +5276,10 @@
       </p:par>
     </p:tnLst>
     <p:bldLst>
+      <p:bldP build="whole" bldLvl="1" animBg="1" rev="0" advAuto="0" spid="191" grpId="4"/>
+      <p:bldP build="whole" bldLvl="1" animBg="1" rev="0" advAuto="0" spid="190" grpId="3"/>
       <p:bldP build="whole" bldLvl="1" animBg="1" rev="0" advAuto="0" spid="189" grpId="2"/>
-      <p:bldP build="whole" bldLvl="1" animBg="1" rev="0" advAuto="0" spid="191" grpId="4"/>
       <p:bldP build="whole" bldLvl="1" animBg="1" rev="0" advAuto="0" spid="188" grpId="1"/>
-      <p:bldP build="whole" bldLvl="1" animBg="1" rev="0" advAuto="0" spid="190" grpId="3"/>
     </p:bldLst>
   </p:timing>
 </p:sld>
@@ -5760,8 +5760,8 @@
       </p:par>
     </p:tnLst>
     <p:bldLst>
+      <p:bldP build="whole" bldLvl="1" animBg="1" rev="0" advAuto="0" spid="195" grpId="2"/>
       <p:bldP build="whole" bldLvl="1" animBg="1" rev="0" advAuto="0" spid="196" grpId="3"/>
-      <p:bldP build="whole" bldLvl="1" animBg="1" rev="0" advAuto="0" spid="195" grpId="2"/>
       <p:bldP build="whole" bldLvl="1" animBg="1" rev="0" advAuto="0" spid="194" grpId="1"/>
     </p:bldLst>
   </p:timing>
@@ -6135,8 +6135,8 @@
       </p:par>
     </p:tnLst>
     <p:bldLst>
+      <p:bldP build="whole" bldLvl="1" animBg="1" rev="0" advAuto="0" spid="201" grpId="3"/>
       <p:bldP build="whole" bldLvl="1" animBg="1" rev="0" advAuto="0" spid="199" grpId="1"/>
-      <p:bldP build="whole" bldLvl="1" animBg="1" rev="0" advAuto="0" spid="201" grpId="3"/>
       <p:bldP build="whole" bldLvl="1" animBg="1" rev="0" advAuto="0" spid="200" grpId="2"/>
     </p:bldLst>
   </p:timing>
@@ -7030,11 +7030,11 @@
       </p:par>
     </p:tnLst>
     <p:bldLst>
-      <p:bldP build="whole" bldLvl="1" animBg="1" rev="0" advAuto="0" spid="213" grpId="1"/>
-      <p:bldP build="whole" bldLvl="1" animBg="1" rev="0" advAuto="0" spid="216" grpId="4"/>
       <p:bldP build="whole" bldLvl="1" animBg="1" rev="0" advAuto="0" spid="217" grpId="5"/>
       <p:bldP build="whole" bldLvl="1" animBg="1" rev="0" advAuto="0" spid="214" grpId="2"/>
       <p:bldP build="whole" bldLvl="1" animBg="1" rev="0" advAuto="0" spid="215" grpId="3"/>
+      <p:bldP build="whole" bldLvl="1" animBg="1" rev="0" advAuto="0" spid="213" grpId="1"/>
+      <p:bldP build="whole" bldLvl="1" animBg="1" rev="0" advAuto="0" spid="216" grpId="4"/>
     </p:bldLst>
   </p:timing>
 </p:sld>
@@ -7676,10 +7676,10 @@
       </p:par>
     </p:tnLst>
     <p:bldLst>
+      <p:bldP build="whole" bldLvl="1" animBg="1" rev="0" advAuto="0" spid="220" grpId="1"/>
+      <p:bldP build="whole" bldLvl="1" animBg="1" rev="0" advAuto="0" spid="222" grpId="3"/>
       <p:bldP build="whole" bldLvl="1" animBg="1" rev="0" advAuto="0" spid="223" grpId="4"/>
-      <p:bldP build="whole" bldLvl="1" animBg="1" rev="0" advAuto="0" spid="222" grpId="3"/>
       <p:bldP build="whole" bldLvl="1" animBg="1" rev="0" advAuto="0" spid="221" grpId="2"/>
-      <p:bldP build="whole" bldLvl="1" animBg="1" rev="0" advAuto="0" spid="220" grpId="1"/>
     </p:bldLst>
   </p:timing>
 </p:sld>
@@ -8317,10 +8317,10 @@
       </p:par>
     </p:tnLst>
     <p:bldLst>
+      <p:bldP build="whole" bldLvl="1" animBg="1" rev="0" advAuto="0" spid="228" grpId="3"/>
+      <p:bldP build="whole" bldLvl="1" animBg="1" rev="0" advAuto="0" spid="227" grpId="2"/>
       <p:bldP build="whole" bldLvl="1" animBg="1" rev="0" advAuto="0" spid="226" grpId="1"/>
-      <p:bldP build="whole" bldLvl="1" animBg="1" rev="0" advAuto="0" spid="228" grpId="3"/>
       <p:bldP build="whole" bldLvl="1" animBg="1" rev="0" advAuto="0" spid="229" grpId="4"/>
-      <p:bldP build="whole" bldLvl="1" animBg="1" rev="0" advAuto="0" spid="227" grpId="2"/>
     </p:bldLst>
   </p:timing>
 </p:sld>
@@ -8915,10 +8915,10 @@
       </p:par>
     </p:tnLst>
     <p:bldLst>
+      <p:bldP build="whole" bldLvl="1" animBg="1" rev="0" advAuto="0" spid="144" grpId="2"/>
       <p:bldP build="whole" bldLvl="1" animBg="1" rev="0" advAuto="0" spid="146" grpId="4"/>
       <p:bldP build="whole" bldLvl="1" animBg="1" rev="0" advAuto="0" spid="147" grpId="5"/>
       <p:bldP build="whole" bldLvl="1" animBg="1" rev="0" advAuto="0" spid="145" grpId="3"/>
-      <p:bldP build="whole" bldLvl="1" animBg="1" rev="0" advAuto="0" spid="144" grpId="2"/>
       <p:bldP build="whole" bldLvl="1" animBg="1" rev="0" advAuto="0" spid="143" grpId="1"/>
     </p:bldLst>
   </p:timing>
@@ -9570,9 +9570,9 @@
       </p:par>
     </p:tnLst>
     <p:bldLst>
+      <p:bldP build="whole" bldLvl="1" animBg="1" rev="0" advAuto="0" spid="233" grpId="2"/>
       <p:bldP build="whole" bldLvl="1" animBg="1" rev="0" advAuto="0" spid="234" grpId="3"/>
       <p:bldP build="whole" bldLvl="1" animBg="1" rev="0" advAuto="0" spid="232" grpId="1"/>
-      <p:bldP build="whole" bldLvl="1" animBg="1" rev="0" advAuto="0" spid="233" grpId="2"/>
     </p:bldLst>
   </p:timing>
 </p:sld>
@@ -13740,16 +13740,16 @@
       </p:par>
     </p:tnLst>
     <p:bldLst>
-      <p:bldP build="whole" bldLvl="1" animBg="1" rev="0" advAuto="0" spid="156" grpId="7"/>
-      <p:bldP build="whole" bldLvl="1" animBg="1" rev="0" advAuto="0" spid="151" grpId="2"/>
-      <p:bldP build="whole" bldLvl="1" animBg="1" rev="0" advAuto="0" spid="153" grpId="4"/>
-      <p:bldP build="whole" bldLvl="1" animBg="1" rev="0" advAuto="0" spid="152" grpId="3"/>
-      <p:bldP build="whole" bldLvl="1" animBg="1" rev="0" advAuto="0" spid="155" grpId="6"/>
-      <p:bldP build="whole" bldLvl="1" animBg="1" rev="0" advAuto="0" spid="154" grpId="5"/>
-      <p:bldP build="whole" bldLvl="1" animBg="1" rev="0" advAuto="0" spid="150" grpId="1"/>
       <p:bldP build="whole" bldLvl="1" animBg="1" rev="0" advAuto="0" spid="157" grpId="8"/>
       <p:bldP build="whole" bldLvl="1" animBg="1" rev="0" advAuto="0" spid="158" grpId="9"/>
+      <p:bldP build="whole" bldLvl="1" animBg="1" rev="0" advAuto="0" spid="152" grpId="3"/>
+      <p:bldP build="whole" bldLvl="1" animBg="1" rev="0" advAuto="0" spid="154" grpId="5"/>
+      <p:bldP build="whole" bldLvl="1" animBg="1" rev="0" advAuto="0" spid="153" grpId="4"/>
       <p:bldP build="whole" bldLvl="1" animBg="1" rev="0" advAuto="0" spid="159" grpId="10"/>
+      <p:bldP build="whole" bldLvl="1" animBg="1" rev="0" advAuto="0" spid="151" grpId="2"/>
+      <p:bldP build="whole" bldLvl="1" animBg="1" rev="0" advAuto="0" spid="150" grpId="1"/>
+      <p:bldP build="whole" bldLvl="1" animBg="1" rev="0" advAuto="0" spid="155" grpId="6"/>
+      <p:bldP build="whole" bldLvl="1" animBg="1" rev="0" advAuto="0" spid="156" grpId="7"/>
     </p:bldLst>
   </p:timing>
 </p:sld>
@@ -18361,32 +18361,32 @@
       </p:par>
     </p:tnLst>
     <p:bldLst>
+      <p:bldP build="whole" bldLvl="1" animBg="1" rev="0" advAuto="0" spid="346" grpId="8"/>
+      <p:bldP build="whole" bldLvl="1" animBg="1" rev="0" advAuto="0" spid="336" grpId="36"/>
+      <p:bldP build="whole" bldLvl="1" animBg="1" rev="0" advAuto="0" spid="344" grpId="6"/>
       <p:bldP build="whole" bldLvl="1" animBg="1" rev="0" advAuto="0" spid="343" grpId="4"/>
+      <p:bldP build="whole" bldLvl="1" animBg="1" rev="0" advAuto="0" spid="357" grpId="24"/>
+      <p:bldP build="whole" bldLvl="1" animBg="1" rev="0" advAuto="0" spid="342" grpId="5"/>
+      <p:bldP build="whole" bldLvl="1" animBg="1" rev="0" advAuto="0" spid="355" grpId="22"/>
+      <p:bldP build="whole" bldLvl="1" animBg="1" rev="0" advAuto="0" spid="341" grpId="3"/>
+      <p:bldP build="whole" bldLvl="1" animBg="1" rev="0" advAuto="0" spid="349" grpId="11"/>
+      <p:bldP build="whole" bldLvl="1" animBg="1" rev="0" advAuto="0" spid="356" grpId="23"/>
+      <p:bldP build="whole" bldLvl="1" animBg="1" rev="0" advAuto="0" spid="340" grpId="2"/>
+      <p:bldP build="whole" bldLvl="1" animBg="1" rev="0" advAuto="0" spid="345" grpId="7"/>
+      <p:bldP build="whole" bldLvl="1" animBg="1" rev="0" advAuto="0" spid="348" grpId="9"/>
+      <p:bldP build="whole" bldLvl="1" animBg="1" rev="0" advAuto="0" spid="352" grpId="25"/>
+      <p:bldP build="whole" bldLvl="1" animBg="1" rev="0" advAuto="0" spid="353" grpId="26"/>
       <p:bldP build="whole" bldLvl="1" animBg="1" rev="0" advAuto="0" spid="354" grpId="27"/>
-      <p:bldP build="whole" bldLvl="1" animBg="1" rev="0" advAuto="0" spid="345" grpId="7"/>
-      <p:bldP build="whole" bldLvl="1" animBg="1" rev="0" advAuto="0" spid="352" grpId="25"/>
-      <p:bldP build="whole" bldLvl="1" animBg="1" rev="0" advAuto="0" spid="349" grpId="11"/>
-      <p:bldP build="whole" bldLvl="1" animBg="1" rev="0" advAuto="0" spid="355" grpId="22"/>
+      <p:bldP build="whole" bldLvl="1" animBg="1" rev="0" advAuto="0" spid="350" grpId="12"/>
+      <p:bldP build="whole" bldLvl="1" animBg="1" rev="0" advAuto="0" spid="335" grpId="28"/>
+      <p:bldP build="whole" bldLvl="1" animBg="1" rev="0" advAuto="0" spid="358" grpId="1"/>
       <p:bldP build="whole" bldLvl="1" animBg="1" rev="0" advAuto="0" spid="359" grpId="38"/>
-      <p:bldP build="whole" bldLvl="1" animBg="1" rev="0" advAuto="0" spid="341" grpId="3"/>
-      <p:bldP build="whole" bldLvl="1" animBg="1" rev="0" advAuto="0" spid="350" grpId="12"/>
+      <p:bldP build="whole" bldLvl="1" animBg="1" rev="0" advAuto="0" spid="339" grpId="14"/>
+      <p:bldP build="whole" bldLvl="1" animBg="1" rev="0" advAuto="0" spid="338" grpId="13"/>
+      <p:bldP build="whole" bldLvl="1" animBg="1" rev="0" advAuto="0" spid="334" grpId="37"/>
+      <p:bldP build="whole" bldLvl="1" animBg="1" rev="0" advAuto="0" spid="337" grpId="15"/>
+      <p:bldP build="whole" bldLvl="1" animBg="1" rev="0" advAuto="0" spid="336" grpId="29"/>
       <p:bldP build="whole" bldLvl="1" animBg="1" rev="0" advAuto="0" spid="347" grpId="10"/>
-      <p:bldP build="whole" bldLvl="1" animBg="1" rev="0" advAuto="0" spid="338" grpId="13"/>
-      <p:bldP build="whole" bldLvl="1" animBg="1" rev="0" advAuto="0" spid="346" grpId="8"/>
-      <p:bldP build="whole" bldLvl="1" animBg="1" rev="0" advAuto="0" spid="335" grpId="28"/>
-      <p:bldP build="whole" bldLvl="1" animBg="1" rev="0" advAuto="0" spid="334" grpId="37"/>
-      <p:bldP build="whole" bldLvl="1" animBg="1" rev="0" advAuto="0" spid="336" grpId="29"/>
-      <p:bldP build="whole" bldLvl="1" animBg="1" rev="0" advAuto="0" spid="340" grpId="2"/>
-      <p:bldP build="whole" bldLvl="1" animBg="1" rev="0" advAuto="0" spid="357" grpId="24"/>
-      <p:bldP build="whole" bldLvl="1" animBg="1" rev="0" advAuto="0" spid="353" grpId="26"/>
-      <p:bldP build="whole" bldLvl="1" animBg="1" rev="0" advAuto="0" spid="358" grpId="1"/>
-      <p:bldP build="whole" bldLvl="1" animBg="1" rev="0" advAuto="0" spid="337" grpId="15"/>
-      <p:bldP build="whole" bldLvl="1" animBg="1" rev="0" advAuto="0" spid="339" grpId="14"/>
-      <p:bldP build="whole" bldLvl="1" animBg="1" rev="0" advAuto="0" spid="348" grpId="9"/>
-      <p:bldP build="whole" bldLvl="1" animBg="1" rev="0" advAuto="0" spid="356" grpId="23"/>
-      <p:bldP build="whole" bldLvl="1" animBg="1" rev="0" advAuto="0" spid="344" grpId="6"/>
-      <p:bldP build="whole" bldLvl="1" animBg="1" rev="0" advAuto="0" spid="336" grpId="36"/>
-      <p:bldP build="whole" bldLvl="1" animBg="1" rev="0" advAuto="0" spid="342" grpId="5"/>
     </p:bldLst>
   </p:timing>
 </p:sld>
@@ -20517,28 +20517,28 @@
       </p:par>
     </p:tnLst>
     <p:bldLst>
-      <p:bldP build="whole" bldLvl="1" animBg="1" rev="0" advAuto="0" spid="367" grpId="4"/>
-      <p:bldP build="whole" bldLvl="1" animBg="1" rev="0" advAuto="0" spid="361" grpId="13"/>
-      <p:bldP build="whole" bldLvl="1" animBg="1" rev="0" advAuto="0" spid="372" grpId="22"/>
-      <p:bldP build="whole" bldLvl="1" animBg="1" rev="0" advAuto="0" spid="362" grpId="1"/>
-      <p:bldP build="whole" bldLvl="1" animBg="1" rev="0" advAuto="0" spid="364" grpId="11"/>
-      <p:bldP build="whole" bldLvl="1" animBg="1" rev="0" advAuto="0" spid="375" grpId="21"/>
+      <p:bldP build="whole" bldLvl="1" animBg="1" rev="0" advAuto="0" spid="370" grpId="12"/>
+      <p:bldP build="whole" bldLvl="1" animBg="1" rev="0" advAuto="0" spid="370" grpId="14"/>
+      <p:bldP build="whole" bldLvl="1" animBg="1" rev="0" advAuto="0" spid="373" grpId="15"/>
+      <p:bldP build="whole" bldLvl="1" animBg="1" rev="0" advAuto="0" spid="365" grpId="3"/>
+      <p:bldP build="whole" bldLvl="1" animBg="1" rev="0" advAuto="0" spid="373" grpId="17"/>
       <p:bldP build="whole" bldLvl="1" animBg="1" rev="0" advAuto="0" spid="366" grpId="9"/>
       <p:bldP build="whole" bldLvl="1" animBg="1" rev="0" advAuto="0" spid="368" grpId="5"/>
       <p:bldP build="whole" bldLvl="1" animBg="1" rev="0" advAuto="0" spid="368" grpId="7"/>
-      <p:bldP build="whole" bldLvl="1" animBg="1" rev="0" advAuto="0" spid="373" grpId="15"/>
+      <p:bldP build="whole" bldLvl="1" animBg="1" rev="0" advAuto="0" spid="374" grpId="18"/>
+      <p:bldP build="whole" bldLvl="1" animBg="1" rev="0" advAuto="0" spid="363" grpId="6"/>
+      <p:bldP build="whole" bldLvl="1" animBg="1" rev="0" advAuto="0" spid="374" grpId="20"/>
+      <p:bldP build="whole" bldLvl="1" animBg="1" rev="0" advAuto="0" spid="364" grpId="11"/>
+      <p:bldP build="whole" bldLvl="1" animBg="1" rev="0" advAuto="0" spid="361" grpId="13"/>
       <p:bldP build="whole" bldLvl="1" animBg="1" rev="0" advAuto="0" spid="376" grpId="16"/>
-      <p:bldP build="whole" bldLvl="1" animBg="1" rev="0" advAuto="0" spid="373" grpId="17"/>
-      <p:bldP build="whole" bldLvl="1" animBg="1" rev="0" advAuto="0" spid="363" grpId="6"/>
-      <p:bldP build="whole" bldLvl="1" animBg="1" rev="0" advAuto="0" spid="365" grpId="3"/>
-      <p:bldP build="whole" bldLvl="1" animBg="1" rev="0" advAuto="0" spid="370" grpId="14"/>
-      <p:bldP build="whole" bldLvl="1" animBg="1" rev="0" advAuto="0" spid="370" grpId="12"/>
-      <p:bldP build="whole" bldLvl="1" animBg="1" rev="0" advAuto="0" spid="374" grpId="18"/>
-      <p:bldP build="whole" bldLvl="1" animBg="1" rev="0" advAuto="0" spid="374" grpId="20"/>
       <p:bldP build="whole" bldLvl="1" animBg="1" rev="0" advAuto="0" spid="369" grpId="8"/>
+      <p:bldP build="whole" bldLvl="1" animBg="1" rev="0" advAuto="0" spid="372" grpId="22"/>
       <p:bldP build="whole" bldLvl="1" animBg="1" rev="0" advAuto="0" spid="369" grpId="10"/>
+      <p:bldP build="whole" bldLvl="1" animBg="1" rev="0" advAuto="0" spid="375" grpId="21"/>
+      <p:bldP build="whole" bldLvl="1" animBg="1" rev="0" advAuto="0" spid="367" grpId="2"/>
+      <p:bldP build="whole" bldLvl="1" animBg="1" rev="0" advAuto="0" spid="362" grpId="1"/>
       <p:bldP build="whole" bldLvl="1" animBg="1" rev="0" advAuto="0" spid="371" grpId="19"/>
-      <p:bldP build="whole" bldLvl="1" animBg="1" rev="0" advAuto="0" spid="367" grpId="2"/>
+      <p:bldP build="whole" bldLvl="1" animBg="1" rev="0" advAuto="0" spid="367" grpId="4"/>
     </p:bldLst>
   </p:timing>
 </p:sld>
@@ -21210,11 +21210,11 @@
       </p:par>
     </p:tnLst>
     <p:bldLst>
-      <p:bldP build="whole" bldLvl="1" animBg="1" rev="0" advAuto="0" spid="381" grpId="3"/>
+      <p:bldP build="whole" bldLvl="1" animBg="1" rev="0" advAuto="0" spid="380" grpId="2"/>
       <p:bldP build="whole" bldLvl="1" animBg="1" rev="0" advAuto="0" spid="378" grpId="1"/>
       <p:bldP build="whole" bldLvl="1" animBg="1" rev="0" advAuto="0" spid="382" grpId="4"/>
-      <p:bldP build="whole" bldLvl="1" animBg="1" rev="0" advAuto="0" spid="380" grpId="2"/>
       <p:bldP build="whole" bldLvl="1" animBg="1" rev="0" advAuto="0" spid="383" grpId="5"/>
+      <p:bldP build="whole" bldLvl="1" animBg="1" rev="0" advAuto="0" spid="381" grpId="3"/>
     </p:bldLst>
   </p:timing>
 </p:sld>
@@ -21564,8 +21564,8 @@
       </p:par>
     </p:tnLst>
     <p:bldLst>
+      <p:bldP build="whole" bldLvl="1" animBg="1" rev="0" advAuto="0" spid="162" grpId="2"/>
       <p:bldP build="whole" bldLvl="1" animBg="1" rev="0" advAuto="0" spid="163" grpId="1"/>
-      <p:bldP build="whole" bldLvl="1" animBg="1" rev="0" advAuto="0" spid="162" grpId="2"/>
     </p:bldLst>
   </p:timing>
 </p:sld>
@@ -25230,12 +25230,12 @@
       </p:par>
     </p:tnLst>
     <p:bldLst>
+      <p:bldP build="whole" bldLvl="1" animBg="1" rev="0" advAuto="0" spid="429" grpId="4"/>
+      <p:bldP build="whole" bldLvl="1" animBg="1" rev="0" advAuto="0" spid="431" grpId="6"/>
+      <p:bldP build="whole" bldLvl="1" animBg="1" rev="0" advAuto="0" spid="426" grpId="1"/>
+      <p:bldP build="whole" bldLvl="1" animBg="1" rev="0" advAuto="0" spid="430" grpId="5"/>
+      <p:bldP build="whole" bldLvl="1" animBg="1" rev="0" advAuto="0" spid="428" grpId="3"/>
       <p:bldP build="whole" bldLvl="1" animBg="1" rev="0" advAuto="0" spid="432" grpId="7"/>
-      <p:bldP build="whole" bldLvl="1" animBg="1" rev="0" advAuto="0" spid="431" grpId="6"/>
-      <p:bldP build="whole" bldLvl="1" animBg="1" rev="0" advAuto="0" spid="430" grpId="5"/>
-      <p:bldP build="whole" bldLvl="1" animBg="1" rev="0" advAuto="0" spid="426" grpId="1"/>
-      <p:bldP build="whole" bldLvl="1" animBg="1" rev="0" advAuto="0" spid="429" grpId="4"/>
-      <p:bldP build="whole" bldLvl="1" animBg="1" rev="0" advAuto="0" spid="428" grpId="3"/>
       <p:bldP build="whole" bldLvl="1" animBg="1" rev="0" advAuto="0" spid="427" grpId="2"/>
     </p:bldLst>
   </p:timing>
@@ -26230,15 +26230,15 @@
       </p:par>
     </p:tnLst>
     <p:bldLst>
-      <p:bldP build="whole" bldLvl="1" animBg="1" rev="0" advAuto="0" spid="437" grpId="9"/>
-      <p:bldP build="whole" bldLvl="1" animBg="1" rev="0" advAuto="0" spid="441" grpId="8"/>
-      <p:bldP build="whole" bldLvl="1" animBg="1" rev="0" advAuto="0" spid="439" grpId="2"/>
       <p:bldP build="whole" bldLvl="1" animBg="1" rev="0" advAuto="0" spid="437" grpId="3"/>
       <p:bldP build="whole" bldLvl="1" animBg="1" rev="0" advAuto="0" spid="440" grpId="6"/>
+      <p:bldP build="whole" bldLvl="1" animBg="1" rev="0" advAuto="0" spid="438" grpId="1"/>
+      <p:bldP build="whole" bldLvl="1" animBg="1" rev="0" advAuto="0" spid="440" grpId="7"/>
+      <p:bldP build="whole" bldLvl="1" animBg="1" rev="0" advAuto="0" spid="437" grpId="9"/>
+      <p:bldP build="whole" bldLvl="1" animBg="1" rev="0" advAuto="0" spid="439" grpId="2"/>
       <p:bldP build="whole" bldLvl="1" animBg="1" rev="0" advAuto="0" spid="436" grpId="4"/>
       <p:bldP build="whole" bldLvl="1" animBg="1" rev="0" advAuto="0" spid="436" grpId="5"/>
-      <p:bldP build="whole" bldLvl="1" animBg="1" rev="0" advAuto="0" spid="438" grpId="1"/>
-      <p:bldP build="whole" bldLvl="1" animBg="1" rev="0" advAuto="0" spid="440" grpId="7"/>
+      <p:bldP build="whole" bldLvl="1" animBg="1" rev="0" advAuto="0" spid="441" grpId="8"/>
     </p:bldLst>
   </p:timing>
 </p:sld>
@@ -27546,14 +27546,14 @@
       </p:par>
     </p:tnLst>
     <p:bldLst>
+      <p:bldP build="whole" bldLvl="1" animBg="1" rev="0" advAuto="0" spid="452" grpId="5"/>
+      <p:bldP build="whole" bldLvl="1" animBg="1" rev="0" advAuto="0" spid="453" grpId="8"/>
+      <p:bldP build="whole" bldLvl="1" animBg="1" rev="0" advAuto="0" spid="454" grpId="9"/>
+      <p:bldP build="whole" bldLvl="1" animBg="1" rev="0" advAuto="0" spid="450" grpId="6"/>
       <p:bldP build="whole" bldLvl="1" animBg="1" rev="0" advAuto="0" spid="449" grpId="3"/>
       <p:bldP build="whole" bldLvl="1" animBg="1" rev="0" advAuto="0" spid="451" grpId="4"/>
+      <p:bldP build="whole" bldLvl="1" animBg="1" rev="0" advAuto="0" spid="455" grpId="7"/>
       <p:bldP build="whole" bldLvl="1" animBg="1" rev="0" advAuto="0" spid="447" grpId="1"/>
-      <p:bldP build="whole" bldLvl="1" animBg="1" rev="0" advAuto="0" spid="455" grpId="7"/>
-      <p:bldP build="whole" bldLvl="1" animBg="1" rev="0" advAuto="0" spid="454" grpId="9"/>
-      <p:bldP build="whole" bldLvl="1" animBg="1" rev="0" advAuto="0" spid="452" grpId="5"/>
-      <p:bldP build="whole" bldLvl="1" animBg="1" rev="0" advAuto="0" spid="453" grpId="8"/>
-      <p:bldP build="whole" bldLvl="1" animBg="1" rev="0" advAuto="0" spid="450" grpId="6"/>
       <p:bldP build="whole" bldLvl="1" animBg="1" rev="0" advAuto="0" spid="448" grpId="2"/>
     </p:bldLst>
   </p:timing>
@@ -29880,33 +29880,33 @@
       </p:par>
     </p:tnLst>
     <p:bldLst>
-      <p:bldP build="whole" bldLvl="1" animBg="1" rev="0" advAuto="0" spid="461" grpId="11"/>
+      <p:bldP build="whole" bldLvl="1" animBg="1" rev="0" advAuto="0" spid="462" grpId="24"/>
+      <p:bldP build="whole" bldLvl="1" animBg="1" rev="0" advAuto="0" spid="457" grpId="1"/>
       <p:bldP build="whole" bldLvl="1" animBg="1" rev="0" advAuto="0" spid="471" grpId="17"/>
-      <p:bldP build="whole" bldLvl="1" animBg="1" rev="0" advAuto="0" spid="463" grpId="16"/>
-      <p:bldP build="whole" bldLvl="1" animBg="1" rev="0" advAuto="0" spid="466" grpId="13"/>
-      <p:bldP build="whole" bldLvl="1" animBg="1" rev="0" advAuto="0" spid="462" grpId="12"/>
-      <p:bldP build="whole" bldLvl="1" animBg="1" rev="0" advAuto="0" spid="472" grpId="18"/>
-      <p:bldP build="whole" bldLvl="1" animBg="1" rev="0" advAuto="0" spid="467" grpId="14"/>
-      <p:bldP build="whole" bldLvl="1" animBg="1" rev="0" advAuto="0" spid="468" grpId="15"/>
+      <p:bldP build="whole" bldLvl="1" animBg="1" rev="0" advAuto="0" spid="468" grpId="21"/>
+      <p:bldP build="whole" bldLvl="1" animBg="1" rev="0" advAuto="0" spid="473" grpId="26"/>
       <p:bldP build="whole" bldLvl="1" animBg="1" rev="0" advAuto="0" spid="469" grpId="5"/>
-      <p:bldP build="whole" bldLvl="1" animBg="1" rev="0" advAuto="0" spid="466" grpId="19"/>
       <p:bldP build="whole" bldLvl="1" animBg="1" rev="0" advAuto="0" spid="461" grpId="23"/>
-      <p:bldP build="whole" bldLvl="1" animBg="1" rev="0" advAuto="0" spid="467" grpId="20"/>
+      <p:bldP build="whole" bldLvl="1" animBg="1" rev="0" advAuto="0" spid="460" grpId="10"/>
       <p:bldP build="whole" bldLvl="1" animBg="1" rev="0" advAuto="0" spid="459" grpId="2"/>
       <p:bldP build="whole" bldLvl="1" animBg="1" rev="0" advAuto="0" spid="459" grpId="3"/>
-      <p:bldP build="whole" bldLvl="1" animBg="1" rev="0" advAuto="0" spid="468" grpId="21"/>
-      <p:bldP build="whole" bldLvl="1" animBg="1" rev="0" advAuto="0" spid="462" grpId="24"/>
+      <p:bldP build="whole" bldLvl="1" animBg="1" rev="0" advAuto="0" spid="465" grpId="9"/>
+      <p:bldP build="whole" bldLvl="1" animBg="1" rev="0" advAuto="0" spid="467" grpId="14"/>
+      <p:bldP build="whole" bldLvl="1" animBg="1" rev="0" advAuto="0" spid="470" grpId="4"/>
+      <p:bldP build="whole" bldLvl="1" animBg="1" rev="0" advAuto="0" spid="466" grpId="13"/>
+      <p:bldP build="whole" bldLvl="1" animBg="1" rev="0" advAuto="0" spid="470" grpId="6"/>
+      <p:bldP build="whole" bldLvl="1" animBg="1" rev="0" advAuto="0" spid="472" grpId="18"/>
+      <p:bldP build="whole" bldLvl="1" animBg="1" rev="0" advAuto="0" spid="460" grpId="22"/>
+      <p:bldP build="whole" bldLvl="1" animBg="1" rev="0" advAuto="0" spid="467" grpId="20"/>
+      <p:bldP build="whole" bldLvl="1" animBg="1" rev="0" advAuto="0" spid="466" grpId="19"/>
+      <p:bldP build="whole" bldLvl="1" animBg="1" rev="0" advAuto="0" spid="464" grpId="8"/>
       <p:bldP build="whole" bldLvl="1" animBg="1" rev="0" advAuto="0" spid="472" grpId="25"/>
-      <p:bldP build="whole" bldLvl="1" animBg="1" rev="0" advAuto="0" spid="460" grpId="10"/>
-      <p:bldP build="whole" bldLvl="1" animBg="1" rev="0" advAuto="0" spid="464" grpId="8"/>
+      <p:bldP build="whole" bldLvl="1" animBg="1" rev="0" advAuto="0" spid="462" grpId="12"/>
+      <p:bldP build="whole" bldLvl="1" animBg="1" rev="0" advAuto="0" spid="471" grpId="7"/>
+      <p:bldP build="whole" bldLvl="1" animBg="1" rev="0" advAuto="0" spid="461" grpId="11"/>
+      <p:bldP build="whole" bldLvl="1" animBg="1" rev="0" advAuto="0" spid="468" grpId="15"/>
       <p:bldP build="whole" bldLvl="1" animBg="1" rev="0" advAuto="0" spid="474" grpId="27"/>
-      <p:bldP build="whole" bldLvl="1" animBg="1" rev="0" advAuto="0" spid="465" grpId="9"/>
-      <p:bldP build="whole" bldLvl="1" animBg="1" rev="0" advAuto="0" spid="473" grpId="26"/>
-      <p:bldP build="whole" bldLvl="1" animBg="1" rev="0" advAuto="0" spid="470" grpId="4"/>
-      <p:bldP build="whole" bldLvl="1" animBg="1" rev="0" advAuto="0" spid="457" grpId="1"/>
-      <p:bldP build="whole" bldLvl="1" animBg="1" rev="0" advAuto="0" spid="470" grpId="6"/>
-      <p:bldP build="whole" bldLvl="1" animBg="1" rev="0" advAuto="0" spid="471" grpId="7"/>
-      <p:bldP build="whole" bldLvl="1" animBg="1" rev="0" advAuto="0" spid="460" grpId="22"/>
+      <p:bldP build="whole" bldLvl="1" animBg="1" rev="0" advAuto="0" spid="463" grpId="16"/>
     </p:bldLst>
   </p:timing>
 </p:sld>
@@ -31102,12 +31102,12 @@
     </p:tnLst>
     <p:bldLst>
       <p:bldP build="whole" bldLvl="1" animBg="1" rev="0" advAuto="0" spid="478" grpId="4"/>
+      <p:bldP build="whole" bldLvl="1" animBg="1" rev="0" advAuto="0" spid="481" grpId="3"/>
+      <p:bldP build="whole" bldLvl="1" animBg="1" rev="0" advAuto="0" spid="476" grpId="5"/>
       <p:bldP build="whole" bldLvl="1" animBg="1" rev="0" advAuto="0" spid="482" grpId="6"/>
       <p:bldP build="whole" bldLvl="1" animBg="1" rev="0" advAuto="0" spid="479" grpId="1"/>
+      <p:bldP build="whole" bldLvl="1" animBg="1" rev="0" advAuto="0" spid="483" grpId="7"/>
       <p:bldP build="whole" bldLvl="1" animBg="1" rev="0" advAuto="0" spid="480" grpId="2"/>
-      <p:bldP build="whole" bldLvl="1" animBg="1" rev="0" advAuto="0" spid="481" grpId="3"/>
-      <p:bldP build="whole" bldLvl="1" animBg="1" rev="0" advAuto="0" spid="476" grpId="5"/>
-      <p:bldP build="whole" bldLvl="1" animBg="1" rev="0" advAuto="0" spid="483" grpId="7"/>
       <p:bldP build="whole" bldLvl="1" animBg="1" rev="0" advAuto="0" spid="484" grpId="8"/>
     </p:bldLst>
   </p:timing>
@@ -31828,9 +31828,9 @@
       </p:par>
     </p:tnLst>
     <p:bldLst>
+      <p:bldP build="whole" bldLvl="1" animBg="1" rev="0" advAuto="0" spid="490" grpId="4"/>
+      <p:bldP build="whole" bldLvl="1" animBg="1" rev="0" advAuto="0" spid="486" grpId="3"/>
       <p:bldP build="whole" bldLvl="1" animBg="1" rev="0" advAuto="0" spid="487" grpId="1"/>
-      <p:bldP build="whole" bldLvl="1" animBg="1" rev="0" advAuto="0" spid="486" grpId="3"/>
-      <p:bldP build="whole" bldLvl="1" animBg="1" rev="0" advAuto="0" spid="490" grpId="4"/>
       <p:bldP build="whole" bldLvl="1" animBg="1" rev="0" advAuto="0" spid="489" grpId="2"/>
     </p:bldLst>
   </p:timing>
@@ -37529,79 +37529,79 @@
       </p:par>
     </p:tnLst>
     <p:bldLst>
-      <p:bldP build="whole" bldLvl="1" animBg="1" rev="0" advAuto="0" spid="492" grpId="34"/>
+      <p:bldP build="whole" bldLvl="1" animBg="1" rev="0" advAuto="0" spid="526" grpId="55"/>
+      <p:bldP build="whole" bldLvl="1" animBg="1" rev="0" advAuto="0" spid="496" grpId="36"/>
+      <p:bldP build="whole" bldLvl="1" animBg="1" rev="0" advAuto="0" spid="507" grpId="28"/>
+      <p:bldP build="whole" bldLvl="1" animBg="1" rev="0" advAuto="0" spid="498" grpId="8"/>
+      <p:bldP build="whole" bldLvl="1" animBg="1" rev="0" advAuto="0" spid="531" grpId="76"/>
+      <p:bldP build="whole" bldLvl="1" animBg="1" rev="0" advAuto="0" spid="507" grpId="32"/>
+      <p:bldP build="whole" bldLvl="1" animBg="1" rev="0" advAuto="0" spid="501" grpId="1"/>
+      <p:bldP build="whole" bldLvl="1" animBg="1" rev="0" advAuto="0" spid="493" grpId="16"/>
+      <p:bldP build="whole" bldLvl="1" animBg="1" rev="0" advAuto="0" spid="505" grpId="27"/>
+      <p:bldP build="whole" bldLvl="1" animBg="1" rev="0" advAuto="0" spid="522" grpId="52"/>
+      <p:bldP build="whole" bldLvl="1" animBg="1" rev="0" advAuto="0" spid="513" grpId="67"/>
+      <p:bldP build="whole" bldLvl="1" animBg="1" rev="0" advAuto="0" spid="529" grpId="71"/>
+      <p:bldP build="whole" bldLvl="1" animBg="1" rev="0" advAuto="0" spid="505" grpId="31"/>
+      <p:bldP build="whole" bldLvl="1" animBg="1" rev="0" advAuto="0" spid="501" grpId="11"/>
+      <p:bldP build="whole" bldLvl="1" animBg="1" rev="0" advAuto="0" spid="534" grpId="29"/>
+      <p:bldP build="whole" bldLvl="1" animBg="1" rev="0" advAuto="0" spid="524" grpId="51"/>
+      <p:bldP build="whole" bldLvl="1" animBg="1" rev="0" advAuto="0" spid="522" grpId="57"/>
+      <p:bldP build="whole" bldLvl="1" animBg="1" rev="0" advAuto="0" spid="504" grpId="24"/>
       <p:bldP build="whole" bldLvl="1" animBg="1" rev="0" advAuto="0" spid="515" grpId="43"/>
-      <p:bldP build="whole" bldLvl="1" animBg="1" rev="0" advAuto="0" spid="499" grpId="10"/>
-      <p:bldP build="whole" bldLvl="1" animBg="1" rev="0" advAuto="0" spid="493" grpId="16"/>
-      <p:bldP build="whole" bldLvl="1" animBg="1" rev="0" advAuto="0" spid="528" grpId="70"/>
-      <p:bldP build="whole" bldLvl="1" animBg="1" rev="0" advAuto="0" spid="528" grpId="72"/>
-      <p:bldP build="whole" bldLvl="1" animBg="1" rev="0" advAuto="0" spid="501" grpId="1"/>
+      <p:bldP build="whole" bldLvl="1" animBg="1" rev="0" advAuto="0" spid="500" grpId="2"/>
+      <p:bldP build="whole" bldLvl="1" animBg="1" rev="0" advAuto="0" spid="534" grpId="33"/>
+      <p:bldP build="whole" bldLvl="1" animBg="1" rev="0" advAuto="0" spid="510" grpId="39"/>
+      <p:bldP build="whole" bldLvl="1" animBg="1" rev="0" advAuto="0" spid="504" grpId="30"/>
+      <p:bldP build="whole" bldLvl="1" animBg="1" rev="0" advAuto="0" spid="494" grpId="5"/>
+      <p:bldP build="whole" bldLvl="1" animBg="1" rev="0" advAuto="0" spid="498" grpId="35"/>
+      <p:bldP build="whole" bldLvl="1" animBg="1" rev="0" advAuto="0" spid="525" grpId="54"/>
+      <p:bldP build="whole" bldLvl="1" animBg="1" rev="0" advAuto="0" spid="524" grpId="64"/>
+      <p:bldP build="whole" bldLvl="1" animBg="1" rev="0" advAuto="0" spid="532" grpId="73"/>
+      <p:bldP build="whole" bldLvl="1" animBg="1" rev="0" advAuto="0" spid="500" grpId="15"/>
+      <p:bldP build="whole" bldLvl="1" animBg="1" rev="0" advAuto="0" spid="525" grpId="58"/>
+      <p:bldP build="whole" bldLvl="1" animBg="1" rev="0" advAuto="0" spid="532" grpId="75"/>
+      <p:bldP build="whole" bldLvl="1" animBg="1" rev="0" advAuto="0" spid="520" grpId="47"/>
+      <p:bldP build="whole" bldLvl="1" animBg="1" rev="0" advAuto="0" spid="494" grpId="17"/>
+      <p:bldP build="whole" bldLvl="1" animBg="1" rev="0" advAuto="0" spid="523" grpId="48"/>
+      <p:bldP build="whole" bldLvl="1" animBg="1" rev="0" advAuto="0" spid="515" grpId="66"/>
+      <p:bldP build="whole" bldLvl="1" animBg="1" rev="0" advAuto="0" spid="511" grpId="40"/>
+      <p:bldP build="whole" bldLvl="1" animBg="1" rev="0" advAuto="0" spid="517" grpId="46"/>
       <p:bldP build="whole" bldLvl="1" animBg="1" rev="0" advAuto="0" spid="530" grpId="74"/>
-      <p:bldP build="whole" bldLvl="1" animBg="1" rev="0" advAuto="0" spid="532" grpId="75"/>
-      <p:bldP build="whole" bldLvl="1" animBg="1" rev="0" advAuto="0" spid="500" grpId="15"/>
-      <p:bldP build="whole" bldLvl="1" animBg="1" rev="0" advAuto="0" spid="524" grpId="64"/>
-      <p:bldP build="whole" bldLvl="1" animBg="1" rev="0" advAuto="0" spid="499" grpId="20"/>
-      <p:bldP build="whole" bldLvl="1" animBg="1" rev="0" advAuto="0" spid="520" grpId="47"/>
+      <p:bldP build="whole" bldLvl="1" animBg="1" rev="0" advAuto="0" spid="520" grpId="60"/>
+      <p:bldP build="whole" bldLvl="1" animBg="1" rev="0" advAuto="0" spid="521" grpId="50"/>
+      <p:bldP build="whole" bldLvl="1" animBg="1" rev="0" advAuto="0" spid="523" grpId="61"/>
+      <p:bldP build="whole" bldLvl="1" animBg="1" rev="0" advAuto="0" spid="517" grpId="59"/>
       <p:bldP build="whole" bldLvl="1" animBg="1" rev="0" advAuto="0" spid="495" grpId="6"/>
-      <p:bldP build="whole" bldLvl="1" animBg="1" rev="0" advAuto="0" spid="501" grpId="11"/>
-      <p:bldP build="whole" bldLvl="1" animBg="1" rev="0" advAuto="0" spid="496" grpId="36"/>
-      <p:bldP build="whole" bldLvl="1" animBg="1" rev="0" advAuto="0" spid="498" grpId="35"/>
-      <p:bldP build="whole" bldLvl="1" animBg="1" rev="0" advAuto="0" spid="494" grpId="5"/>
-      <p:bldP build="whole" bldLvl="1" animBg="1" rev="0" advAuto="0" spid="515" grpId="66"/>
-      <p:bldP build="whole" bldLvl="1" animBg="1" rev="0" advAuto="0" spid="514" grpId="65"/>
-      <p:bldP build="whole" bldLvl="1" animBg="1" rev="0" advAuto="0" spid="517" grpId="46"/>
-      <p:bldP build="whole" bldLvl="1" animBg="1" rev="0" advAuto="0" spid="513" grpId="67"/>
-      <p:bldP build="whole" bldLvl="1" animBg="1" rev="0" advAuto="0" spid="520" grpId="60"/>
+      <p:bldP build="whole" bldLvl="1" animBg="1" rev="0" advAuto="0" spid="514" grpId="42"/>
+      <p:bldP build="whole" bldLvl="1" animBg="1" rev="0" advAuto="0" spid="503" grpId="14"/>
+      <p:bldP build="whole" bldLvl="1" animBg="1" rev="0" advAuto="0" spid="521" grpId="63"/>
+      <p:bldP build="whole" bldLvl="1" animBg="1" rev="0" advAuto="0" spid="519" grpId="53"/>
       <p:bldP build="whole" bldLvl="1" animBg="1" rev="0" advAuto="0" spid="495" grpId="18"/>
-      <p:bldP build="whole" bldLvl="1" animBg="1" rev="0" advAuto="0" spid="494" grpId="17"/>
-      <p:bldP build="whole" bldLvl="1" animBg="1" rev="0" advAuto="0" spid="518" grpId="49"/>
-      <p:bldP build="whole" bldLvl="1" animBg="1" rev="0" advAuto="0" spid="517" grpId="59"/>
-      <p:bldP build="whole" bldLvl="1" animBg="1" rev="0" advAuto="0" spid="503" grpId="14"/>
-      <p:bldP build="whole" bldLvl="1" animBg="1" rev="0" advAuto="0" spid="521" grpId="50"/>
-      <p:bldP build="whole" bldLvl="1" animBg="1" rev="0" advAuto="0" spid="518" grpId="62"/>
-      <p:bldP build="whole" bldLvl="1" animBg="1" rev="0" advAuto="0" spid="519" grpId="53"/>
       <p:bldP build="whole" bldLvl="1" animBg="1" rev="0" advAuto="0" spid="519" grpId="56"/>
       <p:bldP build="whole" bldLvl="1" animBg="1" rev="0" advAuto="0" spid="503" grpId="23"/>
+      <p:bldP build="whole" bldLvl="1" animBg="1" rev="0" advAuto="0" spid="512" grpId="38"/>
+      <p:bldP build="whole" bldLvl="1" animBg="1" rev="0" advAuto="0" spid="518" grpId="49"/>
+      <p:bldP build="whole" bldLvl="1" animBg="1" rev="0" advAuto="0" spid="492" grpId="3"/>
+      <p:bldP build="whole" bldLvl="1" animBg="1" rev="0" advAuto="0" spid="499" grpId="10"/>
+      <p:bldP build="whole" bldLvl="1" animBg="1" rev="0" advAuto="0" spid="502" grpId="12"/>
+      <p:bldP build="whole" bldLvl="1" animBg="1" rev="0" advAuto="0" spid="502" grpId="13"/>
+      <p:bldP build="whole" bldLvl="1" animBg="1" rev="0" advAuto="0" spid="514" grpId="65"/>
+      <p:bldP build="whole" bldLvl="1" animBg="1" rev="0" advAuto="0" spid="528" grpId="70"/>
       <p:bldP build="whole" bldLvl="1" animBg="1" rev="0" advAuto="0" spid="516" grpId="37"/>
+      <p:bldP build="whole" bldLvl="1" animBg="1" rev="0" advAuto="0" spid="496" grpId="7"/>
+      <p:bldP build="whole" bldLvl="1" animBg="1" rev="0" advAuto="0" spid="518" grpId="62"/>
+      <p:bldP build="whole" bldLvl="1" animBg="1" rev="0" advAuto="0" spid="499" grpId="20"/>
+      <p:bldP build="whole" bldLvl="1" animBg="1" rev="0" advAuto="0" spid="528" grpId="72"/>
+      <p:bldP build="whole" bldLvl="1" animBg="1" rev="0" advAuto="0" spid="516" grpId="44"/>
+      <p:bldP build="whole" bldLvl="1" animBg="1" rev="0" advAuto="0" spid="497" grpId="9"/>
+      <p:bldP build="whole" bldLvl="1" animBg="1" rev="0" advAuto="0" spid="533" grpId="77"/>
+      <p:bldP build="whole" bldLvl="1" animBg="1" rev="0" advAuto="0" spid="513" grpId="41"/>
+      <p:bldP build="whole" bldLvl="1" animBg="1" rev="0" advAuto="0" spid="526" grpId="45"/>
       <p:bldP build="whole" bldLvl="1" animBg="1" rev="0" advAuto="0" spid="527" grpId="68"/>
       <p:bldP build="whole" bldLvl="1" animBg="1" rev="0" advAuto="0" spid="527" grpId="69"/>
-      <p:bldP build="whole" bldLvl="1" animBg="1" rev="0" advAuto="0" spid="521" grpId="63"/>
-      <p:bldP build="whole" bldLvl="1" animBg="1" rev="0" advAuto="0" spid="531" grpId="76"/>
-      <p:bldP build="whole" bldLvl="1" animBg="1" rev="0" advAuto="0" spid="497" grpId="9"/>
-      <p:bldP build="whole" bldLvl="1" animBg="1" rev="0" advAuto="0" spid="533" grpId="77"/>
-      <p:bldP build="whole" bldLvl="1" animBg="1" rev="0" advAuto="0" spid="516" grpId="44"/>
       <p:bldP build="whole" bldLvl="1" animBg="1" rev="0" advAuto="0" spid="497" grpId="19"/>
-      <p:bldP build="whole" bldLvl="1" animBg="1" rev="0" advAuto="0" spid="512" grpId="38"/>
-      <p:bldP build="whole" bldLvl="1" animBg="1" rev="0" advAuto="0" spid="502" grpId="12"/>
-      <p:bldP build="whole" bldLvl="1" animBg="1" rev="0" advAuto="0" spid="502" grpId="13"/>
-      <p:bldP build="whole" bldLvl="1" animBg="1" rev="0" advAuto="0" spid="526" grpId="45"/>
-      <p:bldP build="whole" bldLvl="1" animBg="1" rev="0" advAuto="0" spid="507" grpId="28"/>
-      <p:bldP build="whole" bldLvl="1" animBg="1" rev="0" advAuto="0" spid="505" grpId="27"/>
-      <p:bldP build="whole" bldLvl="1" animBg="1" rev="0" advAuto="0" spid="507" grpId="32"/>
-      <p:bldP build="whole" bldLvl="1" animBg="1" rev="0" advAuto="0" spid="505" grpId="31"/>
-      <p:bldP build="whole" bldLvl="1" animBg="1" rev="0" advAuto="0" spid="526" grpId="55"/>
-      <p:bldP build="whole" bldLvl="1" animBg="1" rev="0" advAuto="0" spid="510" grpId="39"/>
-      <p:bldP build="whole" bldLvl="1" animBg="1" rev="0" advAuto="0" spid="492" grpId="3"/>
-      <p:bldP build="whole" bldLvl="1" animBg="1" rev="0" advAuto="0" spid="523" grpId="48"/>
-      <p:bldP build="whole" bldLvl="1" animBg="1" rev="0" advAuto="0" spid="522" grpId="52"/>
-      <p:bldP build="whole" bldLvl="1" animBg="1" rev="0" advAuto="0" spid="511" grpId="40"/>
-      <p:bldP build="whole" bldLvl="1" animBg="1" rev="0" advAuto="0" spid="534" grpId="29"/>
-      <p:bldP build="whole" bldLvl="1" animBg="1" rev="0" advAuto="0" spid="522" grpId="57"/>
-      <p:bldP build="whole" bldLvl="1" animBg="1" rev="0" advAuto="0" spid="534" grpId="33"/>
-      <p:bldP build="whole" bldLvl="1" animBg="1" rev="0" advAuto="0" spid="523" grpId="61"/>
-      <p:bldP build="whole" bldLvl="1" animBg="1" rev="0" advAuto="0" spid="504" grpId="24"/>
-      <p:bldP build="whole" bldLvl="1" animBg="1" rev="0" advAuto="0" spid="496" grpId="7"/>
-      <p:bldP build="whole" bldLvl="1" animBg="1" rev="0" advAuto="0" spid="504" grpId="30"/>
-      <p:bldP build="whole" bldLvl="1" animBg="1" rev="0" advAuto="0" spid="529" grpId="71"/>
-      <p:bldP build="whole" bldLvl="1" animBg="1" rev="0" advAuto="0" spid="525" grpId="54"/>
-      <p:bldP build="whole" bldLvl="1" animBg="1" rev="0" advAuto="0" spid="498" grpId="8"/>
-      <p:bldP build="whole" bldLvl="1" animBg="1" rev="0" advAuto="0" spid="513" grpId="41"/>
+      <p:bldP build="whole" bldLvl="1" animBg="1" rev="0" advAuto="0" spid="492" grpId="34"/>
       <p:bldP build="whole" bldLvl="1" animBg="1" rev="0" advAuto="0" spid="493" grpId="4"/>
-      <p:bldP build="whole" bldLvl="1" animBg="1" rev="0" advAuto="0" spid="525" grpId="58"/>
-      <p:bldP build="whole" bldLvl="1" animBg="1" rev="0" advAuto="0" spid="532" grpId="73"/>
-      <p:bldP build="whole" bldLvl="1" animBg="1" rev="0" advAuto="0" spid="500" grpId="2"/>
-      <p:bldP build="whole" bldLvl="1" animBg="1" rev="0" advAuto="0" spid="524" grpId="51"/>
-      <p:bldP build="whole" bldLvl="1" animBg="1" rev="0" advAuto="0" spid="514" grpId="42"/>
     </p:bldLst>
   </p:timing>
 </p:sld>
@@ -38303,8 +38303,8 @@
     </p:tnLst>
     <p:bldLst>
       <p:bldP build="whole" bldLvl="1" animBg="1" rev="0" advAuto="0" spid="177" grpId="3"/>
+      <p:bldP build="whole" bldLvl="1" animBg="1" rev="0" advAuto="0" spid="175" grpId="1"/>
       <p:bldP build="whole" bldLvl="1" animBg="1" rev="0" advAuto="0" spid="176" grpId="2"/>
-      <p:bldP build="whole" bldLvl="1" animBg="1" rev="0" advAuto="0" spid="175" grpId="1"/>
     </p:bldLst>
   </p:timing>
 </p:sld>
@@ -38804,9 +38804,9 @@
       </p:par>
     </p:tnLst>
     <p:bldLst>
+      <p:bldP build="whole" bldLvl="1" animBg="1" rev="0" advAuto="0" spid="181" grpId="2"/>
+      <p:bldP build="whole" bldLvl="1" animBg="1" rev="0" advAuto="0" spid="182" grpId="3"/>
       <p:bldP build="whole" bldLvl="1" animBg="1" rev="0" advAuto="0" spid="180" grpId="1"/>
-      <p:bldP build="whole" bldLvl="1" animBg="1" rev="0" advAuto="0" spid="182" grpId="3"/>
-      <p:bldP build="whole" bldLvl="1" animBg="1" rev="0" advAuto="0" spid="181" grpId="2"/>
     </p:bldLst>
   </p:timing>
 </p:sld>
